--- a/IT007 - Database/Thực hành Lab 3.pptx
+++ b/IT007 - Database/Thực hành Lab 3.pptx
@@ -205,7 +205,7 @@
           <a:p>
             <a:fld id="{263ACD1C-2A3C-4674-B5C6-4201F37CAA11}" type="datetimeFigureOut">
               <a:rPr lang="vi-VN" smtClean="0"/>
-              <a:t>28/10/2021</a:t>
+              <a:t>16/11/2021</a:t>
             </a:fld>
             <a:endParaRPr lang="vi-VN"/>
           </a:p>
@@ -1226,9 +1226,9 @@
           <a:bodyPr/>
           <a:lstStyle/>
           <a:p>
-            <a:fld id="{D6FD8ED2-2D9F-4C81-BE7D-991A79BF6488}" type="datetimeFigureOut">
+            <a:fld id="{66AEE8EB-1E4D-4BC3-9E88-38CA580160BC}" type="datetime1">
               <a:rPr lang="vi-VN" smtClean="0"/>
-              <a:t>28/10/2021</a:t>
+              <a:t>16/11/2021</a:t>
             </a:fld>
             <a:endParaRPr lang="vi-VN"/>
           </a:p>
@@ -1424,9 +1424,9 @@
           <a:bodyPr/>
           <a:lstStyle/>
           <a:p>
-            <a:fld id="{D6FD8ED2-2D9F-4C81-BE7D-991A79BF6488}" type="datetimeFigureOut">
+            <a:fld id="{C1920956-7F29-4FEE-AC37-00ACDEDE39D1}" type="datetime1">
               <a:rPr lang="vi-VN" smtClean="0"/>
-              <a:t>28/10/2021</a:t>
+              <a:t>16/11/2021</a:t>
             </a:fld>
             <a:endParaRPr lang="vi-VN"/>
           </a:p>
@@ -1632,9 +1632,9 @@
           <a:bodyPr/>
           <a:lstStyle/>
           <a:p>
-            <a:fld id="{D6FD8ED2-2D9F-4C81-BE7D-991A79BF6488}" type="datetimeFigureOut">
+            <a:fld id="{CE220A96-D1DC-4B23-B56D-A20C3019065D}" type="datetime1">
               <a:rPr lang="vi-VN" smtClean="0"/>
-              <a:t>28/10/2021</a:t>
+              <a:t>16/11/2021</a:t>
             </a:fld>
             <a:endParaRPr lang="vi-VN"/>
           </a:p>
@@ -1830,9 +1830,9 @@
           <a:bodyPr/>
           <a:lstStyle/>
           <a:p>
-            <a:fld id="{D6FD8ED2-2D9F-4C81-BE7D-991A79BF6488}" type="datetimeFigureOut">
+            <a:fld id="{9AB345A9-00E7-4DBC-AB31-F8B08AEE8625}" type="datetime1">
               <a:rPr lang="vi-VN" smtClean="0"/>
-              <a:t>28/10/2021</a:t>
+              <a:t>16/11/2021</a:t>
             </a:fld>
             <a:endParaRPr lang="vi-VN"/>
           </a:p>
@@ -2105,9 +2105,9 @@
           <a:bodyPr/>
           <a:lstStyle/>
           <a:p>
-            <a:fld id="{D6FD8ED2-2D9F-4C81-BE7D-991A79BF6488}" type="datetimeFigureOut">
+            <a:fld id="{D113C01F-1DFA-4767-85EB-790CDD7065A8}" type="datetime1">
               <a:rPr lang="vi-VN" smtClean="0"/>
-              <a:t>28/10/2021</a:t>
+              <a:t>16/11/2021</a:t>
             </a:fld>
             <a:endParaRPr lang="vi-VN"/>
           </a:p>
@@ -2370,9 +2370,9 @@
           <a:bodyPr/>
           <a:lstStyle/>
           <a:p>
-            <a:fld id="{D6FD8ED2-2D9F-4C81-BE7D-991A79BF6488}" type="datetimeFigureOut">
+            <a:fld id="{9D01CD24-6CB9-4B4B-8F72-B563591F7768}" type="datetime1">
               <a:rPr lang="vi-VN" smtClean="0"/>
-              <a:t>28/10/2021</a:t>
+              <a:t>16/11/2021</a:t>
             </a:fld>
             <a:endParaRPr lang="vi-VN"/>
           </a:p>
@@ -2782,9 +2782,9 @@
           <a:bodyPr/>
           <a:lstStyle/>
           <a:p>
-            <a:fld id="{D6FD8ED2-2D9F-4C81-BE7D-991A79BF6488}" type="datetimeFigureOut">
+            <a:fld id="{64DED93F-D35A-4431-B3D0-3581B69E7D3B}" type="datetime1">
               <a:rPr lang="vi-VN" smtClean="0"/>
-              <a:t>28/10/2021</a:t>
+              <a:t>16/11/2021</a:t>
             </a:fld>
             <a:endParaRPr lang="vi-VN"/>
           </a:p>
@@ -2923,9 +2923,9 @@
           <a:bodyPr/>
           <a:lstStyle/>
           <a:p>
-            <a:fld id="{D6FD8ED2-2D9F-4C81-BE7D-991A79BF6488}" type="datetimeFigureOut">
+            <a:fld id="{9FFEBC3A-AC2F-4697-BB0B-7A36B3826301}" type="datetime1">
               <a:rPr lang="vi-VN" smtClean="0"/>
-              <a:t>28/10/2021</a:t>
+              <a:t>16/11/2021</a:t>
             </a:fld>
             <a:endParaRPr lang="vi-VN"/>
           </a:p>
@@ -3036,9 +3036,9 @@
           <a:bodyPr/>
           <a:lstStyle/>
           <a:p>
-            <a:fld id="{D6FD8ED2-2D9F-4C81-BE7D-991A79BF6488}" type="datetimeFigureOut">
+            <a:fld id="{6DF1697F-7D99-45F5-A92D-B9A55CD69497}" type="datetime1">
               <a:rPr lang="vi-VN" smtClean="0"/>
-              <a:t>28/10/2021</a:t>
+              <a:t>16/11/2021</a:t>
             </a:fld>
             <a:endParaRPr lang="vi-VN"/>
           </a:p>
@@ -3347,9 +3347,9 @@
           <a:bodyPr/>
           <a:lstStyle/>
           <a:p>
-            <a:fld id="{D6FD8ED2-2D9F-4C81-BE7D-991A79BF6488}" type="datetimeFigureOut">
+            <a:fld id="{2E452861-7470-4A15-A165-01F7FE931940}" type="datetime1">
               <a:rPr lang="vi-VN" smtClean="0"/>
-              <a:t>28/10/2021</a:t>
+              <a:t>16/11/2021</a:t>
             </a:fld>
             <a:endParaRPr lang="vi-VN"/>
           </a:p>
@@ -3635,9 +3635,9 @@
           <a:bodyPr/>
           <a:lstStyle/>
           <a:p>
-            <a:fld id="{D6FD8ED2-2D9F-4C81-BE7D-991A79BF6488}" type="datetimeFigureOut">
+            <a:fld id="{BB68F7E6-426B-43F1-BAA1-42979A405CA3}" type="datetime1">
               <a:rPr lang="vi-VN" smtClean="0"/>
-              <a:t>28/10/2021</a:t>
+              <a:t>16/11/2021</a:t>
             </a:fld>
             <a:endParaRPr lang="vi-VN"/>
           </a:p>
@@ -3876,9 +3876,9 @@
             </a:lvl1pPr>
           </a:lstStyle>
           <a:p>
-            <a:fld id="{D6FD8ED2-2D9F-4C81-BE7D-991A79BF6488}" type="datetimeFigureOut">
+            <a:fld id="{FEE27107-F852-4D28-841E-1CEDA051AD12}" type="datetime1">
               <a:rPr lang="vi-VN" smtClean="0"/>
-              <a:t>28/10/2021</a:t>
+              <a:t>16/11/2021</a:t>
             </a:fld>
             <a:endParaRPr lang="vi-VN"/>
           </a:p>
@@ -3995,6 +3995,7 @@
     <p:sldLayoutId id="2147483658" r:id="rId10"/>
     <p:sldLayoutId id="2147483659" r:id="rId11"/>
   </p:sldLayoutIdLst>
+  <p:hf hdr="0" ftr="0" dt="0"/>
   <p:txStyles>
     <p:titleStyle>
       <a:lvl1pPr algn="l" defTabSz="914400" rtl="0" eaLnBrk="1" latinLnBrk="0" hangingPunct="1">
@@ -4388,6 +4389,35 @@
           </a:p>
         </p:txBody>
       </p:sp>
+      <p:sp>
+        <p:nvSpPr>
+          <p:cNvPr id="4" name="Chỗ dành sẵn cho Số hiệu Bản chiếu 3">
+            <a:extLst>
+              <a:ext uri="{FF2B5EF4-FFF2-40B4-BE49-F238E27FC236}">
+                <a16:creationId xmlns:a16="http://schemas.microsoft.com/office/drawing/2014/main" id="{02BF1F09-8F64-4B13-812F-1B5D21B2009C}"/>
+              </a:ext>
+            </a:extLst>
+          </p:cNvPr>
+          <p:cNvSpPr>
+            <a:spLocks noGrp="1"/>
+          </p:cNvSpPr>
+          <p:nvPr>
+            <p:ph type="sldNum" sz="quarter" idx="12"/>
+          </p:nvPr>
+        </p:nvSpPr>
+        <p:spPr/>
+        <p:txBody>
+          <a:bodyPr/>
+          <a:lstStyle/>
+          <a:p>
+            <a:fld id="{369936ED-89B5-49BF-A03F-054AD1687037}" type="slidenum">
+              <a:rPr lang="vi-VN" smtClean="0"/>
+              <a:t>1</a:t>
+            </a:fld>
+            <a:endParaRPr lang="vi-VN"/>
+          </a:p>
+        </p:txBody>
+      </p:sp>
     </p:spTree>
     <p:extLst>
       <p:ext uri="{BB962C8B-B14F-4D97-AF65-F5344CB8AC3E}">
@@ -4542,6 +4572,35 @@
           </a:p>
         </p:txBody>
       </p:sp>
+      <p:sp>
+        <p:nvSpPr>
+          <p:cNvPr id="4" name="Chỗ dành sẵn cho Số hiệu Bản chiếu 3">
+            <a:extLst>
+              <a:ext uri="{FF2B5EF4-FFF2-40B4-BE49-F238E27FC236}">
+                <a16:creationId xmlns:a16="http://schemas.microsoft.com/office/drawing/2014/main" id="{BE393D72-C2E2-4EF8-A9A4-0AB3AEE4A561}"/>
+              </a:ext>
+            </a:extLst>
+          </p:cNvPr>
+          <p:cNvSpPr>
+            <a:spLocks noGrp="1"/>
+          </p:cNvSpPr>
+          <p:nvPr>
+            <p:ph type="sldNum" sz="quarter" idx="12"/>
+          </p:nvPr>
+        </p:nvSpPr>
+        <p:spPr/>
+        <p:txBody>
+          <a:bodyPr/>
+          <a:lstStyle/>
+          <a:p>
+            <a:fld id="{369936ED-89B5-49BF-A03F-054AD1687037}" type="slidenum">
+              <a:rPr lang="vi-VN" smtClean="0"/>
+              <a:t>2</a:t>
+            </a:fld>
+            <a:endParaRPr lang="vi-VN"/>
+          </a:p>
+        </p:txBody>
+      </p:sp>
     </p:spTree>
     <p:extLst>
       <p:ext uri="{BB962C8B-B14F-4D97-AF65-F5344CB8AC3E}">
@@ -4801,6 +4860,35 @@
           </a:extLst>
         </p:spPr>
       </p:pic>
+      <p:sp>
+        <p:nvSpPr>
+          <p:cNvPr id="4" name="Chỗ dành sẵn cho Số hiệu Bản chiếu 3">
+            <a:extLst>
+              <a:ext uri="{FF2B5EF4-FFF2-40B4-BE49-F238E27FC236}">
+                <a16:creationId xmlns:a16="http://schemas.microsoft.com/office/drawing/2014/main" id="{456E9B55-2755-4B56-85AE-82F0DB4AB302}"/>
+              </a:ext>
+            </a:extLst>
+          </p:cNvPr>
+          <p:cNvSpPr>
+            <a:spLocks noGrp="1"/>
+          </p:cNvSpPr>
+          <p:nvPr>
+            <p:ph type="sldNum" sz="quarter" idx="12"/>
+          </p:nvPr>
+        </p:nvSpPr>
+        <p:spPr/>
+        <p:txBody>
+          <a:bodyPr/>
+          <a:lstStyle/>
+          <a:p>
+            <a:fld id="{369936ED-89B5-49BF-A03F-054AD1687037}" type="slidenum">
+              <a:rPr lang="vi-VN" smtClean="0"/>
+              <a:t>3</a:t>
+            </a:fld>
+            <a:endParaRPr lang="vi-VN"/>
+          </a:p>
+        </p:txBody>
+      </p:sp>
     </p:spTree>
     <p:extLst>
       <p:ext uri="{BB962C8B-B14F-4D97-AF65-F5344CB8AC3E}">
@@ -5021,6 +5109,35 @@
           </a:extLst>
         </p:spPr>
       </p:pic>
+      <p:sp>
+        <p:nvSpPr>
+          <p:cNvPr id="4" name="Chỗ dành sẵn cho Số hiệu Bản chiếu 3">
+            <a:extLst>
+              <a:ext uri="{FF2B5EF4-FFF2-40B4-BE49-F238E27FC236}">
+                <a16:creationId xmlns:a16="http://schemas.microsoft.com/office/drawing/2014/main" id="{D97BA13C-444F-4E4B-9622-CF0081FAB175}"/>
+              </a:ext>
+            </a:extLst>
+          </p:cNvPr>
+          <p:cNvSpPr>
+            <a:spLocks noGrp="1"/>
+          </p:cNvSpPr>
+          <p:nvPr>
+            <p:ph type="sldNum" sz="quarter" idx="12"/>
+          </p:nvPr>
+        </p:nvSpPr>
+        <p:spPr/>
+        <p:txBody>
+          <a:bodyPr/>
+          <a:lstStyle/>
+          <a:p>
+            <a:fld id="{369936ED-89B5-49BF-A03F-054AD1687037}" type="slidenum">
+              <a:rPr lang="vi-VN" smtClean="0"/>
+              <a:t>4</a:t>
+            </a:fld>
+            <a:endParaRPr lang="vi-VN"/>
+          </a:p>
+        </p:txBody>
+      </p:sp>
     </p:spTree>
     <p:extLst>
       <p:ext uri="{BB962C8B-B14F-4D97-AF65-F5344CB8AC3E}">
@@ -5168,6 +5285,35 @@
             <a:endParaRPr lang="en-US">
               <a:latin typeface="Calibri (Thân)"/>
             </a:endParaRPr>
+          </a:p>
+        </p:txBody>
+      </p:sp>
+      <p:sp>
+        <p:nvSpPr>
+          <p:cNvPr id="4" name="Chỗ dành sẵn cho Số hiệu Bản chiếu 3">
+            <a:extLst>
+              <a:ext uri="{FF2B5EF4-FFF2-40B4-BE49-F238E27FC236}">
+                <a16:creationId xmlns:a16="http://schemas.microsoft.com/office/drawing/2014/main" id="{F235BBB5-5DFE-4CE7-9971-A709681D3A76}"/>
+              </a:ext>
+            </a:extLst>
+          </p:cNvPr>
+          <p:cNvSpPr>
+            <a:spLocks noGrp="1"/>
+          </p:cNvSpPr>
+          <p:nvPr>
+            <p:ph type="sldNum" sz="quarter" idx="12"/>
+          </p:nvPr>
+        </p:nvSpPr>
+        <p:spPr/>
+        <p:txBody>
+          <a:bodyPr/>
+          <a:lstStyle/>
+          <a:p>
+            <a:fld id="{369936ED-89B5-49BF-A03F-054AD1687037}" type="slidenum">
+              <a:rPr lang="vi-VN" smtClean="0"/>
+              <a:t>5</a:t>
+            </a:fld>
+            <a:endParaRPr lang="vi-VN"/>
           </a:p>
         </p:txBody>
       </p:sp>
@@ -7836,6 +7982,35 @@
           </a:p>
         </p:txBody>
       </p:sp>
+      <p:sp>
+        <p:nvSpPr>
+          <p:cNvPr id="8" name="Chỗ dành sẵn cho Số hiệu Bản chiếu 7">
+            <a:extLst>
+              <a:ext uri="{FF2B5EF4-FFF2-40B4-BE49-F238E27FC236}">
+                <a16:creationId xmlns:a16="http://schemas.microsoft.com/office/drawing/2014/main" id="{A95046B8-D797-4B59-B610-C64CB6A192F5}"/>
+              </a:ext>
+            </a:extLst>
+          </p:cNvPr>
+          <p:cNvSpPr>
+            <a:spLocks noGrp="1"/>
+          </p:cNvSpPr>
+          <p:nvPr>
+            <p:ph type="sldNum" sz="quarter" idx="12"/>
+          </p:nvPr>
+        </p:nvSpPr>
+        <p:spPr/>
+        <p:txBody>
+          <a:bodyPr/>
+          <a:lstStyle/>
+          <a:p>
+            <a:fld id="{369936ED-89B5-49BF-A03F-054AD1687037}" type="slidenum">
+              <a:rPr lang="vi-VN" smtClean="0"/>
+              <a:t>6</a:t>
+            </a:fld>
+            <a:endParaRPr lang="vi-VN"/>
+          </a:p>
+        </p:txBody>
+      </p:sp>
     </p:spTree>
     <p:extLst>
       <p:ext uri="{BB962C8B-B14F-4D97-AF65-F5344CB8AC3E}">
@@ -7971,6 +8146,35 @@
           </a:p>
         </p:txBody>
       </p:sp>
+      <p:sp>
+        <p:nvSpPr>
+          <p:cNvPr id="4" name="Chỗ dành sẵn cho Số hiệu Bản chiếu 3">
+            <a:extLst>
+              <a:ext uri="{FF2B5EF4-FFF2-40B4-BE49-F238E27FC236}">
+                <a16:creationId xmlns:a16="http://schemas.microsoft.com/office/drawing/2014/main" id="{CA2536A5-2748-4454-9BFD-6AC8FC5F4ABA}"/>
+              </a:ext>
+            </a:extLst>
+          </p:cNvPr>
+          <p:cNvSpPr>
+            <a:spLocks noGrp="1"/>
+          </p:cNvSpPr>
+          <p:nvPr>
+            <p:ph type="sldNum" sz="quarter" idx="12"/>
+          </p:nvPr>
+        </p:nvSpPr>
+        <p:spPr/>
+        <p:txBody>
+          <a:bodyPr/>
+          <a:lstStyle/>
+          <a:p>
+            <a:fld id="{369936ED-89B5-49BF-A03F-054AD1687037}" type="slidenum">
+              <a:rPr lang="vi-VN" smtClean="0"/>
+              <a:t>7</a:t>
+            </a:fld>
+            <a:endParaRPr lang="vi-VN"/>
+          </a:p>
+        </p:txBody>
+      </p:sp>
     </p:spTree>
     <p:extLst>
       <p:ext uri="{BB962C8B-B14F-4D97-AF65-F5344CB8AC3E}">
@@ -8079,6 +8283,35 @@
           </a:extLst>
         </p:spPr>
       </p:pic>
+      <p:sp>
+        <p:nvSpPr>
+          <p:cNvPr id="3" name="Chỗ dành sẵn cho Số hiệu Bản chiếu 2">
+            <a:extLst>
+              <a:ext uri="{FF2B5EF4-FFF2-40B4-BE49-F238E27FC236}">
+                <a16:creationId xmlns:a16="http://schemas.microsoft.com/office/drawing/2014/main" id="{B2C3FFB7-FB50-449A-80CB-330B3782A8EB}"/>
+              </a:ext>
+            </a:extLst>
+          </p:cNvPr>
+          <p:cNvSpPr>
+            <a:spLocks noGrp="1"/>
+          </p:cNvSpPr>
+          <p:nvPr>
+            <p:ph type="sldNum" sz="quarter" idx="12"/>
+          </p:nvPr>
+        </p:nvSpPr>
+        <p:spPr/>
+        <p:txBody>
+          <a:bodyPr/>
+          <a:lstStyle/>
+          <a:p>
+            <a:fld id="{369936ED-89B5-49BF-A03F-054AD1687037}" type="slidenum">
+              <a:rPr lang="vi-VN" smtClean="0"/>
+              <a:t>8</a:t>
+            </a:fld>
+            <a:endParaRPr lang="vi-VN"/>
+          </a:p>
+        </p:txBody>
+      </p:sp>
     </p:spTree>
     <p:extLst>
       <p:ext uri="{BB962C8B-B14F-4D97-AF65-F5344CB8AC3E}">
@@ -8138,8 +8371,8 @@
           </a:p>
         </p:txBody>
       </p:sp>
-      <mc:AlternateContent xmlns:mc="http://schemas.openxmlformats.org/markup-compatibility/2006">
-        <mc:Choice xmlns:a14="http://schemas.microsoft.com/office/drawing/2010/main" Requires="a14">
+      <mc:AlternateContent xmlns:mc="http://schemas.openxmlformats.org/markup-compatibility/2006" xmlns:a14="http://schemas.microsoft.com/office/drawing/2010/main">
+        <mc:Choice Requires="a14">
           <p:sp>
             <p:nvSpPr>
               <p:cNvPr id="3" name="Chỗ dành sẵn cho Nội dung 2">
@@ -8203,7 +8436,7 @@
             </p:txBody>
           </p:sp>
         </mc:Choice>
-        <mc:Fallback>
+        <mc:Fallback xmlns="">
           <p:sp>
             <p:nvSpPr>
               <p:cNvPr id="3" name="Chỗ dành sẵn cho Nội dung 2">
@@ -8243,6 +8476,35 @@
           </p:sp>
         </mc:Fallback>
       </mc:AlternateContent>
+      <p:sp>
+        <p:nvSpPr>
+          <p:cNvPr id="4" name="Chỗ dành sẵn cho Số hiệu Bản chiếu 3">
+            <a:extLst>
+              <a:ext uri="{FF2B5EF4-FFF2-40B4-BE49-F238E27FC236}">
+                <a16:creationId xmlns:a16="http://schemas.microsoft.com/office/drawing/2014/main" id="{4DB514B5-C0A3-4B36-824D-214C520AC215}"/>
+              </a:ext>
+            </a:extLst>
+          </p:cNvPr>
+          <p:cNvSpPr>
+            <a:spLocks noGrp="1"/>
+          </p:cNvSpPr>
+          <p:nvPr>
+            <p:ph type="sldNum" sz="quarter" idx="12"/>
+          </p:nvPr>
+        </p:nvSpPr>
+        <p:spPr/>
+        <p:txBody>
+          <a:bodyPr/>
+          <a:lstStyle/>
+          <a:p>
+            <a:fld id="{369936ED-89B5-49BF-A03F-054AD1687037}" type="slidenum">
+              <a:rPr lang="vi-VN" smtClean="0"/>
+              <a:t>9</a:t>
+            </a:fld>
+            <a:endParaRPr lang="vi-VN"/>
+          </a:p>
+        </p:txBody>
+      </p:sp>
     </p:spTree>
     <p:extLst>
       <p:ext uri="{BB962C8B-B14F-4D97-AF65-F5344CB8AC3E}">
